--- a/BackLogの活用とプロジェクトの可視化.pptx
+++ b/BackLogの活用とプロジェクトの可視化.pptx
@@ -435,7 +435,7 @@
           <a:p>
             <a:fld id="{3C90E62F-A499-4B04-9B80-C644E4F26243}" type="datetimeFigureOut">
               <a:rPr kumimoji="1" lang="ja-JP" altLang="en-US" smtClean="0"/>
-              <a:t>2021/10/12</a:t>
+              <a:t>2021/10/13</a:t>
             </a:fld>
             <a:endParaRPr kumimoji="1" lang="ja-JP" altLang="en-US"/>
           </a:p>
@@ -665,7 +665,7 @@
           <a:p>
             <a:fld id="{3C90E62F-A499-4B04-9B80-C644E4F26243}" type="datetimeFigureOut">
               <a:rPr kumimoji="1" lang="ja-JP" altLang="en-US" smtClean="0"/>
-              <a:t>2021/10/12</a:t>
+              <a:t>2021/10/13</a:t>
             </a:fld>
             <a:endParaRPr kumimoji="1" lang="ja-JP" altLang="en-US"/>
           </a:p>
@@ -905,7 +905,7 @@
           <a:p>
             <a:fld id="{3C90E62F-A499-4B04-9B80-C644E4F26243}" type="datetimeFigureOut">
               <a:rPr kumimoji="1" lang="ja-JP" altLang="en-US" smtClean="0"/>
-              <a:t>2021/10/12</a:t>
+              <a:t>2021/10/13</a:t>
             </a:fld>
             <a:endParaRPr kumimoji="1" lang="ja-JP" altLang="en-US"/>
           </a:p>
@@ -1135,7 +1135,7 @@
           <a:p>
             <a:fld id="{3C90E62F-A499-4B04-9B80-C644E4F26243}" type="datetimeFigureOut">
               <a:rPr kumimoji="1" lang="ja-JP" altLang="en-US" smtClean="0"/>
-              <a:t>2021/10/12</a:t>
+              <a:t>2021/10/13</a:t>
             </a:fld>
             <a:endParaRPr kumimoji="1" lang="ja-JP" altLang="en-US"/>
           </a:p>
@@ -1410,7 +1410,7 @@
           <a:p>
             <a:fld id="{3C90E62F-A499-4B04-9B80-C644E4F26243}" type="datetimeFigureOut">
               <a:rPr kumimoji="1" lang="ja-JP" altLang="en-US" smtClean="0"/>
-              <a:t>2021/10/12</a:t>
+              <a:t>2021/10/13</a:t>
             </a:fld>
             <a:endParaRPr kumimoji="1" lang="ja-JP" altLang="en-US"/>
           </a:p>
@@ -1739,7 +1739,7 @@
           <a:p>
             <a:fld id="{3C90E62F-A499-4B04-9B80-C644E4F26243}" type="datetimeFigureOut">
               <a:rPr kumimoji="1" lang="ja-JP" altLang="en-US" smtClean="0"/>
-              <a:t>2021/10/12</a:t>
+              <a:t>2021/10/13</a:t>
             </a:fld>
             <a:endParaRPr kumimoji="1" lang="ja-JP" altLang="en-US"/>
           </a:p>
@@ -2215,7 +2215,7 @@
           <a:p>
             <a:fld id="{3C90E62F-A499-4B04-9B80-C644E4F26243}" type="datetimeFigureOut">
               <a:rPr kumimoji="1" lang="ja-JP" altLang="en-US" smtClean="0"/>
-              <a:t>2021/10/12</a:t>
+              <a:t>2021/10/13</a:t>
             </a:fld>
             <a:endParaRPr kumimoji="1" lang="ja-JP" altLang="en-US"/>
           </a:p>
@@ -2356,7 +2356,7 @@
           <a:p>
             <a:fld id="{3C90E62F-A499-4B04-9B80-C644E4F26243}" type="datetimeFigureOut">
               <a:rPr kumimoji="1" lang="ja-JP" altLang="en-US" smtClean="0"/>
-              <a:t>2021/10/12</a:t>
+              <a:t>2021/10/13</a:t>
             </a:fld>
             <a:endParaRPr kumimoji="1" lang="ja-JP" altLang="en-US"/>
           </a:p>
@@ -2469,7 +2469,7 @@
           <a:p>
             <a:fld id="{3C90E62F-A499-4B04-9B80-C644E4F26243}" type="datetimeFigureOut">
               <a:rPr kumimoji="1" lang="ja-JP" altLang="en-US" smtClean="0"/>
-              <a:t>2021/10/12</a:t>
+              <a:t>2021/10/13</a:t>
             </a:fld>
             <a:endParaRPr kumimoji="1" lang="ja-JP" altLang="en-US"/>
           </a:p>
@@ -2812,7 +2812,7 @@
           <a:p>
             <a:fld id="{3C90E62F-A499-4B04-9B80-C644E4F26243}" type="datetimeFigureOut">
               <a:rPr kumimoji="1" lang="ja-JP" altLang="en-US" smtClean="0"/>
-              <a:t>2021/10/12</a:t>
+              <a:t>2021/10/13</a:t>
             </a:fld>
             <a:endParaRPr kumimoji="1" lang="ja-JP" altLang="en-US"/>
           </a:p>
@@ -3100,7 +3100,7 @@
           <a:p>
             <a:fld id="{3C90E62F-A499-4B04-9B80-C644E4F26243}" type="datetimeFigureOut">
               <a:rPr kumimoji="1" lang="ja-JP" altLang="en-US" smtClean="0"/>
-              <a:t>2021/10/12</a:t>
+              <a:t>2021/10/13</a:t>
             </a:fld>
             <a:endParaRPr kumimoji="1" lang="ja-JP" altLang="en-US"/>
           </a:p>
@@ -3373,7 +3373,7 @@
           <a:p>
             <a:fld id="{3C90E62F-A499-4B04-9B80-C644E4F26243}" type="datetimeFigureOut">
               <a:rPr kumimoji="1" lang="ja-JP" altLang="en-US" smtClean="0"/>
-              <a:t>2021/10/12</a:t>
+              <a:t>2021/10/13</a:t>
             </a:fld>
             <a:endParaRPr kumimoji="1" lang="ja-JP" altLang="en-US"/>
           </a:p>
@@ -7160,28 +7160,82 @@
           </a:p>
         </p:txBody>
       </p:sp>
-      <p:sp>
-        <p:nvSpPr>
-          <p:cNvPr id="3" name="コンテンツ プレースホルダー 2">
-            <a:extLst>
-              <a:ext uri="{FF2B5EF4-FFF2-40B4-BE49-F238E27FC236}">
-                <a16:creationId xmlns:a16="http://schemas.microsoft.com/office/drawing/2014/main" id="{E855AFFA-A577-4049-A047-6A0B3F929D3B}"/>
-              </a:ext>
-            </a:extLst>
-          </p:cNvPr>
-          <p:cNvSpPr>
-            <a:spLocks noGrp="1"/>
-          </p:cNvSpPr>
+      <p:pic>
+        <p:nvPicPr>
+          <p:cNvPr id="5" name="コンテンツ プレースホルダー 4">
+            <a:extLst>
+              <a:ext uri="{FF2B5EF4-FFF2-40B4-BE49-F238E27FC236}">
+                <a16:creationId xmlns:a16="http://schemas.microsoft.com/office/drawing/2014/main" id="{562228E0-49AB-4FD3-8C26-687EECEC6B03}"/>
+              </a:ext>
+            </a:extLst>
+          </p:cNvPr>
+          <p:cNvPicPr>
+            <a:picLocks noGrp="1" noChangeAspect="1"/>
+          </p:cNvPicPr>
           <p:nvPr>
             <p:ph idx="1"/>
           </p:nvPr>
-        </p:nvSpPr>
-        <p:spPr/>
-        <p:txBody>
-          <a:bodyPr/>
+        </p:nvPicPr>
+        <p:blipFill>
+          <a:blip r:embed="rId2"/>
+          <a:stretch>
+            <a:fillRect/>
+          </a:stretch>
+        </p:blipFill>
+        <p:spPr>
+          <a:xfrm>
+            <a:off x="1168750" y="1825625"/>
+            <a:ext cx="9854500" cy="4351338"/>
+          </a:xfrm>
+          <a:ln w="15875">
+            <a:solidFill>
+              <a:schemeClr val="accent5">
+                <a:lumMod val="50000"/>
+              </a:schemeClr>
+            </a:solidFill>
+          </a:ln>
+          <a:effectLst>
+            <a:outerShdw blurRad="50800" dist="38100" dir="2700000" algn="tl" rotWithShape="0">
+              <a:prstClr val="black">
+                <a:alpha val="40000"/>
+              </a:prstClr>
+            </a:outerShdw>
+          </a:effectLst>
+        </p:spPr>
+      </p:pic>
+      <p:sp>
+        <p:nvSpPr>
+          <p:cNvPr id="6" name="テキスト ボックス 5">
+            <a:extLst>
+              <a:ext uri="{FF2B5EF4-FFF2-40B4-BE49-F238E27FC236}">
+                <a16:creationId xmlns:a16="http://schemas.microsoft.com/office/drawing/2014/main" id="{A1CE2E14-5CEA-4EDF-9E66-78CDAD3E83F9}"/>
+              </a:ext>
+            </a:extLst>
+          </p:cNvPr>
+          <p:cNvSpPr txBox="1"/>
+          <p:nvPr/>
+        </p:nvSpPr>
+        <p:spPr>
+          <a:xfrm>
+            <a:off x="4086225" y="1321356"/>
+            <a:ext cx="7454285" cy="369332"/>
+          </a:xfrm>
+          <a:prstGeom prst="rect">
+            <a:avLst/>
+          </a:prstGeom>
+          <a:noFill/>
+        </p:spPr>
+        <p:txBody>
+          <a:bodyPr wrap="none" rtlCol="0">
+            <a:spAutoFit/>
+          </a:bodyPr>
           <a:lstStyle/>
           <a:p>
-            <a:endParaRPr kumimoji="1" lang="ja-JP" altLang="en-US"/>
+            <a:r>
+              <a:rPr kumimoji="1" lang="en-US" altLang="ja-JP" dirty="0"/>
+              <a:t>https://1drv.ms/x/s!Ag7uX8HimKLqiR-g8G8oql79LPGn?e=6mbW69</a:t>
+            </a:r>
+            <a:endParaRPr kumimoji="1" lang="ja-JP" altLang="en-US" dirty="0"/>
           </a:p>
         </p:txBody>
       </p:sp>
@@ -7264,7 +7318,83 @@
           <a:bodyPr/>
           <a:lstStyle/>
           <a:p>
-            <a:endParaRPr kumimoji="1" lang="ja-JP" altLang="en-US"/>
+            <a:r>
+              <a:rPr lang="ja-JP" altLang="en-US" dirty="0"/>
+              <a:t>プロジェクト責任者（あえて</a:t>
+            </a:r>
+            <a:r>
+              <a:rPr lang="en-US" altLang="ja-JP" dirty="0"/>
+              <a:t>PM</a:t>
+            </a:r>
+            <a:r>
+              <a:rPr lang="ja-JP" altLang="en-US" dirty="0"/>
+              <a:t>とはいわない）の明確化</a:t>
+            </a:r>
+            <a:endParaRPr kumimoji="1" lang="ja-JP" altLang="en-US" dirty="0"/>
+          </a:p>
+          <a:p>
+            <a:r>
+              <a:rPr kumimoji="1" lang="ja-JP" altLang="en-US" dirty="0"/>
+              <a:t>工程、工数、コストの明確化と</a:t>
+            </a:r>
+            <a:r>
+              <a:rPr kumimoji="1" lang="en-US" altLang="ja-JP" dirty="0" err="1"/>
+              <a:t>BackLog</a:t>
+            </a:r>
+            <a:r>
+              <a:rPr kumimoji="1" lang="ja-JP" altLang="en-US" dirty="0"/>
+              <a:t>上への展開</a:t>
+            </a:r>
+            <a:endParaRPr kumimoji="1" lang="en-US" altLang="ja-JP" dirty="0"/>
+          </a:p>
+          <a:p>
+            <a:r>
+              <a:rPr kumimoji="1" lang="en-US" altLang="ja-JP" dirty="0" err="1"/>
+              <a:t>BackLog</a:t>
+            </a:r>
+            <a:r>
+              <a:rPr kumimoji="1" lang="en-US" altLang="ja-JP" dirty="0"/>
+              <a:t> </a:t>
+            </a:r>
+            <a:r>
+              <a:rPr kumimoji="1" lang="ja-JP" altLang="en-US" dirty="0"/>
+              <a:t>への入力ルールの徹底</a:t>
+            </a:r>
+            <a:endParaRPr kumimoji="1" lang="en-US" altLang="ja-JP" dirty="0"/>
+          </a:p>
+          <a:p>
+            <a:r>
+              <a:rPr lang="ja-JP" altLang="en-US" dirty="0"/>
+              <a:t>プロジェクト危機の際のリカバリー体制</a:t>
+            </a:r>
+            <a:endParaRPr lang="en-US" altLang="ja-JP" dirty="0"/>
+          </a:p>
+          <a:p>
+            <a:pPr lvl="1"/>
+            <a:r>
+              <a:rPr kumimoji="1" lang="ja-JP" altLang="en-US" dirty="0"/>
+              <a:t>情報共有</a:t>
+            </a:r>
+            <a:endParaRPr kumimoji="1" lang="en-US" altLang="ja-JP" dirty="0"/>
+          </a:p>
+          <a:p>
+            <a:pPr lvl="1"/>
+            <a:r>
+              <a:rPr lang="ja-JP" altLang="en-US" dirty="0"/>
+              <a:t>各種環境の共通化</a:t>
+            </a:r>
+            <a:endParaRPr lang="en-US" altLang="ja-JP" dirty="0"/>
+          </a:p>
+          <a:p>
+            <a:pPr lvl="1"/>
+            <a:r>
+              <a:rPr kumimoji="1" lang="ja-JP" altLang="en-US" dirty="0"/>
+              <a:t>コミュニケーション</a:t>
+            </a:r>
+            <a:endParaRPr kumimoji="1" lang="en-US" altLang="ja-JP" dirty="0"/>
+          </a:p>
+          <a:p>
+            <a:endParaRPr kumimoji="1" lang="en-US" altLang="ja-JP" dirty="0"/>
           </a:p>
         </p:txBody>
       </p:sp>
